--- a/powerpoints/12-all-the-stickerz.pptx
+++ b/powerpoints/12-all-the-stickerz.pptx
@@ -5,7 +5,7 @@
     <p:sldMasterId id="2147483648" r:id="rId1"/>
   </p:sldMasterIdLst>
   <p:notesMasterIdLst>
-    <p:NotesMasterId r:id="rId15"/>
+    <p:NotesMasterId r:id="rId16"/>
   </p:notesMasterIdLst>
   <p:sldIdLst>
     <p:sldId id="256" r:id="rId2"/>
@@ -21,6 +21,7 @@
     <p:sldId id="266" r:id="rId12"/>
     <p:sldId id="267" r:id="rId13"/>
     <p:sldId id="268" r:id="rId14"/>
+    <p:sldId id="269" r:id="rId15"/>
   </p:sldIdLst>
   <p:sldSz cx="9144000" cy="6858000" type="screen4x3"/>
   <p:notesSz cx="6858000" cy="9144000"/>
@@ -2665,6 +2666,18 @@
             <a:r>
               <a:rPr/>
               <a:t>min]</a:t>
+            </a:r>
+          </a:p>
+          <a:p>
+            <a:pPr lvl="0" marL="0" indent="0">
+              <a:buNone/>
+            </a:pPr>
+          </a:p>
+          <a:p>
+            <a:pPr lvl="1"/>
+            <a:r>
+              <a:rPr/>
+              <a:t>Explain:</a:t>
             </a:r>
           </a:p>
         </p:txBody>
@@ -15924,6 +15937,84 @@
 </p:sld>
 </file>
 
+<file path=ppt/slides/slide14.xml><?xml version="1.0" encoding="utf-8"?>
+<p:sld xmlns:a="http://schemas.openxmlformats.org/drawingml/2006/main" xmlns:r="http://schemas.openxmlformats.org/officeDocument/2006/relationships" xmlns:p="http://schemas.openxmlformats.org/presentationml/2006/main">
+  <p:cSld>
+    <p:spTree>
+      <p:nvGrpSpPr>
+        <p:cNvPr id="1" name=""/>
+        <p:cNvGrpSpPr/>
+        <p:nvPr/>
+      </p:nvGrpSpPr>
+      <p:grpSpPr>
+        <a:xfrm>
+          <a:off x="0" y="0"/>
+          <a:ext cx="0" cy="0"/>
+          <a:chOff x="0" y="0"/>
+          <a:chExt cx="0" cy="0"/>
+        </a:xfrm>
+      </p:grpSpPr>
+      <p:sp>
+        <p:nvSpPr>
+          <p:cNvPr id="2" name="Title 1"/>
+          <p:cNvSpPr>
+            <a:spLocks noGrp="1"/>
+          </p:cNvSpPr>
+          <p:nvPr>
+            <p:ph type="title"/>
+          </p:nvPr>
+        </p:nvSpPr>
+        <p:spPr/>
+        <p:txBody>
+          <a:bodyPr/>
+          <a:lstStyle/>
+          <a:p>
+            <a:pPr lvl="0" marL="0" indent="0">
+              <a:buNone/>
+            </a:pPr>
+            <a:r>
+              <a:rPr/>
+              <a:t>mozilla</a:t>
+            </a:r>
+          </a:p>
+        </p:txBody>
+      </p:sp>
+      <p:sp>
+        <p:nvSpPr>
+          <p:cNvPr id="3" name="Content Placeholder 2"/>
+          <p:cNvSpPr>
+            <a:spLocks noGrp="1"/>
+          </p:cNvSpPr>
+          <p:nvPr>
+            <p:ph idx="1"/>
+          </p:nvPr>
+        </p:nvSpPr>
+        <p:spPr/>
+        <p:txBody>
+          <a:bodyPr/>
+          <a:lstStyle/>
+          <a:p>
+            <a:pPr lvl="0" marL="0" indent="0">
+              <a:buNone/>
+            </a:pPr>
+            <a:r>
+              <a:rPr/>
+              <a:t>Mozilla is a global non-profit dedicated to putting you in control of your online experience and shaping the future of the web for the public good. Visit us at </a:t>
+            </a:r>
+            <a:r>
+              <a:rPr>
+                <a:hlinkClick r:id="rId2"/>
+              </a:rPr>
+              <a:t>mozilla.org</a:t>
+            </a:r>
+          </a:p>
+        </p:txBody>
+      </p:sp>
+    </p:spTree>
+  </p:cSld>
+</p:sld>
+</file>
+
 <file path=ppt/slides/slide2.xml><?xml version="1.0" encoding="utf-8"?>
 <p:sld xmlns:a="http://schemas.openxmlformats.org/drawingml/2006/main" xmlns:r="http://schemas.openxmlformats.org/officeDocument/2006/relationships" xmlns:p="http://schemas.openxmlformats.org/presentationml/2006/main">
   <p:cSld>
@@ -15996,7 +16087,23 @@
             </a:pPr>
             <a:r>
               <a:rPr/>
-              <a:t>stickers</a:t>
+              <a:t>All</a:t>
+            </a:r>
+            <a:r>
+              <a:rPr/>
+              <a:t> </a:t>
+            </a:r>
+            <a:r>
+              <a:rPr/>
+              <a:t>the</a:t>
+            </a:r>
+            <a:r>
+              <a:rPr/>
+              <a:t> </a:t>
+            </a:r>
+            <a:r>
+              <a:rPr/>
+              <a:t>Stickerz</a:t>
             </a:r>
           </a:p>
         </p:txBody>
@@ -16158,7 +16265,7 @@
             <a:pPr lvl="1"/>
             <a:r>
               <a:rPr/>
-              <a:t>Explain: We’re going to talk about how computers create and store images using lots of tiny bits of color, and how we use those images to communicate online. And we’re going to create some very simple images of our own, both in analog and digital form.</a:t>
+              <a:t>We’re going to talk about how computers create and store images using lots of tiny bits of color, and how we use those images to communicate online. And we’re going to create some very simple images of our own, both in analog and digital form.</a:t>
             </a:r>
           </a:p>
         </p:txBody>
